--- a/02. Presentations/HourlyInvestmentApproach.pptx
+++ b/02. Presentations/HourlyInvestmentApproach.pptx
@@ -6,15 +6,14 @@
     <p:sldMasterId id="2147483694" r:id="rId5"/>
   </p:sldMasterIdLst>
   <p:notesMasterIdLst>
-    <p:notesMasterId r:id="rId9"/>
+    <p:notesMasterId r:id="rId8"/>
   </p:notesMasterIdLst>
   <p:handoutMasterIdLst>
-    <p:handoutMasterId r:id="rId10"/>
+    <p:handoutMasterId r:id="rId9"/>
   </p:handoutMasterIdLst>
   <p:sldIdLst>
     <p:sldId id="269" r:id="rId6"/>
-    <p:sldId id="271" r:id="rId7"/>
-    <p:sldId id="272" r:id="rId8"/>
+    <p:sldId id="270" r:id="rId7"/>
   </p:sldIdLst>
   <p:sldSz cx="12192000" cy="6858000"/>
   <p:notesSz cx="6858000" cy="9144000"/>
@@ -5043,15 +5042,7 @@
           <a:p>
             <a:r>
               <a:rPr lang="en-US" dirty="0" smtClean="0"/>
-              <a:t>Neural Network for cost estimation: </a:t>
-            </a:r>
-            <a:r>
-              <a:rPr lang="en-US" dirty="0" err="1" smtClean="0"/>
-              <a:t>Hyperparameter</a:t>
-            </a:r>
-            <a:r>
-              <a:rPr lang="en-US" dirty="0" smtClean="0"/>
-              <a:t> tuning</a:t>
+              <a:t>Hourly investment approach</a:t>
             </a:r>
             <a:endParaRPr lang="en-US" dirty="0"/>
           </a:p>
@@ -5097,63 +5088,24 @@
             <p:ph idx="1"/>
           </p:nvPr>
         </p:nvSpPr>
-        <p:spPr/>
+        <p:spPr>
+          <a:xfrm>
+            <a:off x="728399" y="809828"/>
+            <a:ext cx="4749291" cy="825943"/>
+          </a:xfrm>
+        </p:spPr>
         <p:txBody>
           <a:bodyPr/>
           <a:lstStyle/>
           <a:p>
-            <a:r>
-              <a:rPr lang="en-US" dirty="0" smtClean="0"/>
-              <a:t>Architecture</a:t>
-            </a:r>
-          </a:p>
-          <a:p>
-            <a:pPr lvl="1"/>
-            <a:r>
-              <a:rPr lang="en-US" dirty="0" smtClean="0"/>
-              <a:t>Number of layers </a:t>
-            </a:r>
-          </a:p>
-          <a:p>
-            <a:pPr lvl="1"/>
-            <a:r>
-              <a:rPr lang="en-US" dirty="0" smtClean="0"/>
-              <a:t>Dropout ratio</a:t>
-            </a:r>
-          </a:p>
-          <a:p>
-            <a:r>
-              <a:rPr lang="en-US" dirty="0" smtClean="0"/>
-              <a:t>Training process </a:t>
-            </a:r>
-          </a:p>
-          <a:p>
-            <a:pPr lvl="1"/>
-            <a:r>
-              <a:rPr lang="en-US" dirty="0" smtClean="0"/>
-              <a:t>Number of epochs</a:t>
-            </a:r>
-          </a:p>
-          <a:p>
-            <a:pPr lvl="1"/>
-            <a:r>
-              <a:rPr lang="en-US" dirty="0" smtClean="0"/>
-              <a:t>Learning rate</a:t>
-            </a:r>
-          </a:p>
-          <a:p>
-            <a:pPr lvl="1"/>
-            <a:r>
-              <a:rPr lang="en-US" dirty="0" smtClean="0"/>
-              <a:t>Minimum result validation set </a:t>
-            </a:r>
-          </a:p>
-          <a:p>
-            <a:endParaRPr lang="en-US" dirty="0" smtClean="0"/>
-          </a:p>
-          <a:p>
-            <a:pPr lvl="1"/>
-            <a:endParaRPr lang="en-US" dirty="0" smtClean="0"/>
+            <a:pPr marL="0" indent="0">
+              <a:buNone/>
+            </a:pPr>
+            <a:r>
+              <a:rPr lang="en-US" b="1" dirty="0" smtClean="0"/>
+              <a:t>Current LB clustering method</a:t>
+            </a:r>
+            <a:endParaRPr lang="en-US" b="1" dirty="0"/>
           </a:p>
         </p:txBody>
       </p:sp>
@@ -5205,137 +5157,793 @@
       </p:sp>
       <p:sp>
         <p:nvSpPr>
-          <p:cNvPr id="5" name="Title 4"/>
-          <p:cNvSpPr>
-            <a:spLocks noGrp="1"/>
-          </p:cNvSpPr>
-          <p:nvPr>
-            <p:ph type="title"/>
-          </p:nvPr>
-        </p:nvSpPr>
-        <p:spPr/>
-        <p:txBody>
-          <a:bodyPr/>
-          <a:lstStyle/>
-          <a:p>
-            <a:r>
-              <a:rPr lang="en-US" dirty="0" smtClean="0"/>
-              <a:t>Parameters considered</a:t>
-            </a:r>
-            <a:endParaRPr lang="en-US" dirty="0"/>
-          </a:p>
-        </p:txBody>
-      </p:sp>
-    </p:spTree>
-    <p:extLst>
-      <p:ext uri="{BB962C8B-B14F-4D97-AF65-F5344CB8AC3E}">
-        <p14:creationId xmlns:p14="http://schemas.microsoft.com/office/powerpoint/2010/main" val="2280670844"/>
-      </p:ext>
-    </p:extLst>
-  </p:cSld>
-  <p:clrMapOvr>
-    <a:masterClrMapping/>
-  </p:clrMapOvr>
-</p:sld>
-</file>
-
-<file path=ppt/slides/slide3.xml><?xml version="1.0" encoding="utf-8"?>
-<p:sld xmlns:a="http://schemas.openxmlformats.org/drawingml/2006/main" xmlns:r="http://schemas.openxmlformats.org/officeDocument/2006/relationships" xmlns:p="http://schemas.openxmlformats.org/presentationml/2006/main">
-  <p:cSld>
-    <p:spTree>
-      <p:nvGrpSpPr>
-        <p:cNvPr id="1" name=""/>
-        <p:cNvGrpSpPr/>
-        <p:nvPr/>
-      </p:nvGrpSpPr>
-      <p:grpSpPr>
-        <a:xfrm>
-          <a:off x="0" y="0"/>
-          <a:ext cx="0" cy="0"/>
-          <a:chOff x="0" y="0"/>
-          <a:chExt cx="0" cy="0"/>
-        </a:xfrm>
-      </p:grpSpPr>
-      <p:sp>
-        <p:nvSpPr>
-          <p:cNvPr id="2" name="Footer Placeholder 1"/>
-          <p:cNvSpPr>
-            <a:spLocks noGrp="1"/>
-          </p:cNvSpPr>
-          <p:nvPr>
-            <p:ph type="ftr" sz="quarter" idx="11"/>
-          </p:nvPr>
-        </p:nvSpPr>
-        <p:spPr/>
-        <p:txBody>
-          <a:bodyPr/>
-          <a:lstStyle/>
-          <a:p>
-            <a:r>
-              <a:rPr lang="nl-NL" smtClean="0"/>
-              <a:t>Ingenieurswetenschappen, Werktuigkunde, TME</a:t>
-            </a:r>
-            <a:endParaRPr lang="nl-NL"/>
-          </a:p>
-        </p:txBody>
-      </p:sp>
-      <p:sp>
-        <p:nvSpPr>
-          <p:cNvPr id="3" name="Slide Number Placeholder 2"/>
-          <p:cNvSpPr>
-            <a:spLocks noGrp="1"/>
-          </p:cNvSpPr>
-          <p:nvPr>
-            <p:ph type="sldNum" sz="quarter" idx="12"/>
-          </p:nvPr>
-        </p:nvSpPr>
-        <p:spPr/>
-        <p:txBody>
-          <a:bodyPr/>
-          <a:lstStyle/>
-          <a:p>
-            <a:fld id="{0A297500-7527-634B-90F4-69D0994C32B4}" type="slidenum">
-              <a:rPr lang="nl-NL" smtClean="0"/>
-              <a:t>3</a:t>
-            </a:fld>
-            <a:endParaRPr lang="nl-NL"/>
-          </a:p>
-        </p:txBody>
-      </p:sp>
-      <p:pic>
-        <p:nvPicPr>
-          <p:cNvPr id="4" name="Picture 3"/>
-          <p:cNvPicPr>
-            <a:picLocks noChangeAspect="1"/>
-          </p:cNvPicPr>
+          <p:cNvPr id="6" name="Content Placeholder 1"/>
+          <p:cNvSpPr txBox="1">
+            <a:spLocks/>
+          </p:cNvSpPr>
           <p:nvPr/>
-        </p:nvPicPr>
-        <p:blipFill>
-          <a:blip r:embed="rId2">
-            <a:extLst>
-              <a:ext uri="{28A0092B-C50C-407E-A947-70E740481C1C}">
-                <a14:useLocalDpi xmlns:a14="http://schemas.microsoft.com/office/drawing/2010/main" val="0"/>
-              </a:ext>
-            </a:extLst>
-          </a:blip>
-          <a:stretch>
-            <a:fillRect/>
-          </a:stretch>
-        </p:blipFill>
+        </p:nvSpPr>
         <p:spPr>
           <a:xfrm>
-            <a:off x="758283" y="115326"/>
-            <a:ext cx="10283407" cy="5782439"/>
+            <a:off x="728399" y="1808400"/>
+            <a:ext cx="5184721" cy="4464000"/>
           </a:xfrm>
           <a:prstGeom prst="rect">
             <a:avLst/>
           </a:prstGeom>
         </p:spPr>
-      </p:pic>
+        <p:txBody>
+          <a:bodyPr vert="horz" lIns="91440" tIns="45720" rIns="91440" bIns="45720" rtlCol="0">
+            <a:normAutofit fontScale="92500" lnSpcReduction="10000"/>
+          </a:bodyPr>
+          <a:lstStyle>
+            <a:lvl1pPr marL="228600" indent="-228600" algn="l" defTabSz="914400" rtl="0" eaLnBrk="1" latinLnBrk="0" hangingPunct="1">
+              <a:lnSpc>
+                <a:spcPct val="100000"/>
+              </a:lnSpc>
+              <a:spcBef>
+                <a:spcPts val="1000"/>
+              </a:spcBef>
+              <a:buFont typeface="Arial"/>
+              <a:buChar char="•"/>
+              <a:defRPr sz="2400" kern="1200" baseline="0">
+                <a:solidFill>
+                  <a:schemeClr val="tx1"/>
+                </a:solidFill>
+                <a:latin typeface="Arial" charset="0"/>
+                <a:ea typeface="+mn-ea"/>
+                <a:cs typeface="+mn-cs"/>
+              </a:defRPr>
+            </a:lvl1pPr>
+            <a:lvl2pPr marL="685800" indent="-228600" algn="l" defTabSz="914400" rtl="0" eaLnBrk="1" latinLnBrk="0" hangingPunct="1">
+              <a:lnSpc>
+                <a:spcPct val="100000"/>
+              </a:lnSpc>
+              <a:spcBef>
+                <a:spcPts val="500"/>
+              </a:spcBef>
+              <a:buFont typeface="Arial"/>
+              <a:buChar char="•"/>
+              <a:defRPr sz="2400" kern="1200" baseline="0">
+                <a:solidFill>
+                  <a:schemeClr val="tx1"/>
+                </a:solidFill>
+                <a:latin typeface="Arial" charset="0"/>
+                <a:ea typeface="+mn-ea"/>
+                <a:cs typeface="+mn-cs"/>
+              </a:defRPr>
+            </a:lvl2pPr>
+            <a:lvl3pPr marL="1143000" indent="-228600" algn="l" defTabSz="914400" rtl="0" eaLnBrk="1" latinLnBrk="0" hangingPunct="1">
+              <a:lnSpc>
+                <a:spcPct val="100000"/>
+              </a:lnSpc>
+              <a:spcBef>
+                <a:spcPts val="500"/>
+              </a:spcBef>
+              <a:buFont typeface="Arial"/>
+              <a:buChar char="•"/>
+              <a:defRPr sz="2000" kern="1200" baseline="0">
+                <a:solidFill>
+                  <a:schemeClr val="tx1"/>
+                </a:solidFill>
+                <a:latin typeface="Arial" charset="0"/>
+                <a:ea typeface="+mn-ea"/>
+                <a:cs typeface="+mn-cs"/>
+              </a:defRPr>
+            </a:lvl3pPr>
+            <a:lvl4pPr marL="1600200" indent="-228600" algn="l" defTabSz="914400" rtl="0" eaLnBrk="1" latinLnBrk="0" hangingPunct="1">
+              <a:lnSpc>
+                <a:spcPct val="100000"/>
+              </a:lnSpc>
+              <a:spcBef>
+                <a:spcPts val="500"/>
+              </a:spcBef>
+              <a:buFont typeface="Arial"/>
+              <a:buChar char="•"/>
+              <a:defRPr sz="1800" kern="1200" baseline="0">
+                <a:solidFill>
+                  <a:schemeClr val="tx1"/>
+                </a:solidFill>
+                <a:latin typeface="Arial" charset="0"/>
+                <a:ea typeface="+mn-ea"/>
+                <a:cs typeface="+mn-cs"/>
+              </a:defRPr>
+            </a:lvl4pPr>
+            <a:lvl5pPr marL="2057400" indent="-228600" algn="l" defTabSz="914400" rtl="0" eaLnBrk="1" latinLnBrk="0" hangingPunct="1">
+              <a:lnSpc>
+                <a:spcPct val="100000"/>
+              </a:lnSpc>
+              <a:spcBef>
+                <a:spcPts val="500"/>
+              </a:spcBef>
+              <a:buFont typeface="Arial"/>
+              <a:buChar char="•"/>
+              <a:defRPr sz="1800" kern="1200" baseline="0">
+                <a:solidFill>
+                  <a:schemeClr val="tx1"/>
+                </a:solidFill>
+                <a:latin typeface="Arial" charset="0"/>
+                <a:ea typeface="+mn-ea"/>
+                <a:cs typeface="+mn-cs"/>
+              </a:defRPr>
+            </a:lvl5pPr>
+            <a:lvl6pPr marL="2514600" indent="-228600" algn="l" defTabSz="914400" rtl="0" eaLnBrk="1" latinLnBrk="0" hangingPunct="1">
+              <a:lnSpc>
+                <a:spcPct val="90000"/>
+              </a:lnSpc>
+              <a:spcBef>
+                <a:spcPts val="500"/>
+              </a:spcBef>
+              <a:buFont typeface="Arial"/>
+              <a:buChar char="•"/>
+              <a:defRPr sz="1800" kern="1200">
+                <a:solidFill>
+                  <a:schemeClr val="tx1"/>
+                </a:solidFill>
+                <a:latin typeface="+mn-lt"/>
+                <a:ea typeface="+mn-ea"/>
+                <a:cs typeface="+mn-cs"/>
+              </a:defRPr>
+            </a:lvl6pPr>
+            <a:lvl7pPr marL="2971800" indent="-228600" algn="l" defTabSz="914400" rtl="0" eaLnBrk="1" latinLnBrk="0" hangingPunct="1">
+              <a:lnSpc>
+                <a:spcPct val="90000"/>
+              </a:lnSpc>
+              <a:spcBef>
+                <a:spcPts val="500"/>
+              </a:spcBef>
+              <a:buFont typeface="Arial"/>
+              <a:buChar char="•"/>
+              <a:defRPr sz="1800" kern="1200">
+                <a:solidFill>
+                  <a:schemeClr val="tx1"/>
+                </a:solidFill>
+                <a:latin typeface="+mn-lt"/>
+                <a:ea typeface="+mn-ea"/>
+                <a:cs typeface="+mn-cs"/>
+              </a:defRPr>
+            </a:lvl7pPr>
+            <a:lvl8pPr marL="3429000" indent="-228600" algn="l" defTabSz="914400" rtl="0" eaLnBrk="1" latinLnBrk="0" hangingPunct="1">
+              <a:lnSpc>
+                <a:spcPct val="90000"/>
+              </a:lnSpc>
+              <a:spcBef>
+                <a:spcPts val="500"/>
+              </a:spcBef>
+              <a:buFont typeface="Arial"/>
+              <a:buChar char="•"/>
+              <a:defRPr sz="1800" kern="1200">
+                <a:solidFill>
+                  <a:schemeClr val="tx1"/>
+                </a:solidFill>
+                <a:latin typeface="+mn-lt"/>
+                <a:ea typeface="+mn-ea"/>
+                <a:cs typeface="+mn-cs"/>
+              </a:defRPr>
+            </a:lvl8pPr>
+            <a:lvl9pPr marL="3886200" indent="-228600" algn="l" defTabSz="914400" rtl="0" eaLnBrk="1" latinLnBrk="0" hangingPunct="1">
+              <a:lnSpc>
+                <a:spcPct val="90000"/>
+              </a:lnSpc>
+              <a:spcBef>
+                <a:spcPts val="500"/>
+              </a:spcBef>
+              <a:buFont typeface="Arial"/>
+              <a:buChar char="•"/>
+              <a:defRPr sz="1800" kern="1200">
+                <a:solidFill>
+                  <a:schemeClr val="tx1"/>
+                </a:solidFill>
+                <a:latin typeface="+mn-lt"/>
+                <a:ea typeface="+mn-ea"/>
+                <a:cs typeface="+mn-cs"/>
+              </a:defRPr>
+            </a:lvl9pPr>
+          </a:lstStyle>
+          <a:p>
+            <a:r>
+              <a:rPr lang="en-US" dirty="0" smtClean="0"/>
+              <a:t>Solve (part of) full year</a:t>
+            </a:r>
+          </a:p>
+          <a:p>
+            <a:pPr lvl="1"/>
+            <a:r>
+              <a:rPr lang="en-US" dirty="0" smtClean="0"/>
+              <a:t>Per investment candidate (fixed investment decisions)</a:t>
+            </a:r>
+          </a:p>
+          <a:p>
+            <a:pPr lvl="1"/>
+            <a:r>
+              <a:rPr lang="en-US" dirty="0" smtClean="0"/>
+              <a:t>In one shot</a:t>
+            </a:r>
+          </a:p>
+          <a:p>
+            <a:pPr marL="0" indent="0">
+              <a:buNone/>
+            </a:pPr>
+            <a:r>
+              <a:rPr lang="en-US" dirty="0" smtClean="0">
+                <a:sym typeface="Wingdings" panose="05000000000000000000" pitchFamily="2" charset="2"/>
+              </a:rPr>
+              <a:t> Obtain hourly operational cost </a:t>
+            </a:r>
+          </a:p>
+          <a:p>
+            <a:pPr>
+              <a:buFont typeface="Wingdings" panose="05000000000000000000" pitchFamily="2" charset="2"/>
+              <a:buChar char="à"/>
+            </a:pPr>
+            <a:r>
+              <a:rPr lang="en-US" dirty="0" smtClean="0">
+                <a:sym typeface="Wingdings" panose="05000000000000000000" pitchFamily="2" charset="2"/>
+              </a:rPr>
+              <a:t> Use cost to calculate LB </a:t>
+            </a:r>
+          </a:p>
+          <a:p>
+            <a:pPr>
+              <a:buFont typeface="Wingdings" panose="05000000000000000000" pitchFamily="2" charset="2"/>
+              <a:buChar char="à"/>
+            </a:pPr>
+            <a:r>
+              <a:rPr lang="en-US" dirty="0" smtClean="0">
+                <a:sym typeface="Wingdings" panose="05000000000000000000" pitchFamily="2" charset="2"/>
+              </a:rPr>
+              <a:t>1 hourly value per line = continuous LB</a:t>
+            </a:r>
+          </a:p>
+          <a:p>
+            <a:pPr marL="0" indent="0">
+              <a:buNone/>
+            </a:pPr>
+            <a:r>
+              <a:rPr lang="en-US" dirty="0"/>
+              <a:t>For X </a:t>
+            </a:r>
+            <a:r>
+              <a:rPr lang="en-US" dirty="0" smtClean="0"/>
+              <a:t>candidates: </a:t>
+            </a:r>
+          </a:p>
+          <a:p>
+            <a:pPr marL="0" indent="0">
+              <a:buNone/>
+            </a:pPr>
+            <a:r>
+              <a:rPr lang="en-US" dirty="0" smtClean="0">
+                <a:sym typeface="Wingdings" panose="05000000000000000000" pitchFamily="2" charset="2"/>
+              </a:rPr>
+              <a:t> 2X problems with 8760 </a:t>
+            </a:r>
+            <a:r>
+              <a:rPr lang="en-US" dirty="0" err="1" smtClean="0">
+                <a:sym typeface="Wingdings" panose="05000000000000000000" pitchFamily="2" charset="2"/>
+              </a:rPr>
+              <a:t>timesteps</a:t>
+            </a:r>
+            <a:r>
+              <a:rPr lang="en-US" dirty="0" smtClean="0">
+                <a:sym typeface="Wingdings" panose="05000000000000000000" pitchFamily="2" charset="2"/>
+              </a:rPr>
+              <a:t>, and 0 binaries</a:t>
+            </a:r>
+            <a:endParaRPr lang="en-US" dirty="0" smtClean="0"/>
+          </a:p>
+        </p:txBody>
+      </p:sp>
+      <p:sp>
+        <p:nvSpPr>
+          <p:cNvPr id="7" name="Content Placeholder 1"/>
+          <p:cNvSpPr txBox="1">
+            <a:spLocks/>
+          </p:cNvSpPr>
+          <p:nvPr/>
+        </p:nvSpPr>
+        <p:spPr>
+          <a:xfrm>
+            <a:off x="6489119" y="831530"/>
+            <a:ext cx="4749291" cy="825943"/>
+          </a:xfrm>
+          <a:prstGeom prst="rect">
+            <a:avLst/>
+          </a:prstGeom>
+        </p:spPr>
+        <p:txBody>
+          <a:bodyPr vert="horz" lIns="91440" tIns="45720" rIns="91440" bIns="45720" rtlCol="0">
+            <a:normAutofit/>
+          </a:bodyPr>
+          <a:lstStyle>
+            <a:lvl1pPr marL="228600" indent="-228600" algn="l" defTabSz="914400" rtl="0" eaLnBrk="1" latinLnBrk="0" hangingPunct="1">
+              <a:lnSpc>
+                <a:spcPct val="100000"/>
+              </a:lnSpc>
+              <a:spcBef>
+                <a:spcPts val="1000"/>
+              </a:spcBef>
+              <a:buFont typeface="Arial"/>
+              <a:buChar char="•"/>
+              <a:defRPr sz="2400" kern="1200" baseline="0">
+                <a:solidFill>
+                  <a:schemeClr val="tx1"/>
+                </a:solidFill>
+                <a:latin typeface="Arial" charset="0"/>
+                <a:ea typeface="+mn-ea"/>
+                <a:cs typeface="+mn-cs"/>
+              </a:defRPr>
+            </a:lvl1pPr>
+            <a:lvl2pPr marL="685800" indent="-228600" algn="l" defTabSz="914400" rtl="0" eaLnBrk="1" latinLnBrk="0" hangingPunct="1">
+              <a:lnSpc>
+                <a:spcPct val="100000"/>
+              </a:lnSpc>
+              <a:spcBef>
+                <a:spcPts val="500"/>
+              </a:spcBef>
+              <a:buFont typeface="Arial"/>
+              <a:buChar char="•"/>
+              <a:defRPr sz="2400" kern="1200" baseline="0">
+                <a:solidFill>
+                  <a:schemeClr val="tx1"/>
+                </a:solidFill>
+                <a:latin typeface="Arial" charset="0"/>
+                <a:ea typeface="+mn-ea"/>
+                <a:cs typeface="+mn-cs"/>
+              </a:defRPr>
+            </a:lvl2pPr>
+            <a:lvl3pPr marL="1143000" indent="-228600" algn="l" defTabSz="914400" rtl="0" eaLnBrk="1" latinLnBrk="0" hangingPunct="1">
+              <a:lnSpc>
+                <a:spcPct val="100000"/>
+              </a:lnSpc>
+              <a:spcBef>
+                <a:spcPts val="500"/>
+              </a:spcBef>
+              <a:buFont typeface="Arial"/>
+              <a:buChar char="•"/>
+              <a:defRPr sz="2000" kern="1200" baseline="0">
+                <a:solidFill>
+                  <a:schemeClr val="tx1"/>
+                </a:solidFill>
+                <a:latin typeface="Arial" charset="0"/>
+                <a:ea typeface="+mn-ea"/>
+                <a:cs typeface="+mn-cs"/>
+              </a:defRPr>
+            </a:lvl3pPr>
+            <a:lvl4pPr marL="1600200" indent="-228600" algn="l" defTabSz="914400" rtl="0" eaLnBrk="1" latinLnBrk="0" hangingPunct="1">
+              <a:lnSpc>
+                <a:spcPct val="100000"/>
+              </a:lnSpc>
+              <a:spcBef>
+                <a:spcPts val="500"/>
+              </a:spcBef>
+              <a:buFont typeface="Arial"/>
+              <a:buChar char="•"/>
+              <a:defRPr sz="1800" kern="1200" baseline="0">
+                <a:solidFill>
+                  <a:schemeClr val="tx1"/>
+                </a:solidFill>
+                <a:latin typeface="Arial" charset="0"/>
+                <a:ea typeface="+mn-ea"/>
+                <a:cs typeface="+mn-cs"/>
+              </a:defRPr>
+            </a:lvl4pPr>
+            <a:lvl5pPr marL="2057400" indent="-228600" algn="l" defTabSz="914400" rtl="0" eaLnBrk="1" latinLnBrk="0" hangingPunct="1">
+              <a:lnSpc>
+                <a:spcPct val="100000"/>
+              </a:lnSpc>
+              <a:spcBef>
+                <a:spcPts val="500"/>
+              </a:spcBef>
+              <a:buFont typeface="Arial"/>
+              <a:buChar char="•"/>
+              <a:defRPr sz="1800" kern="1200" baseline="0">
+                <a:solidFill>
+                  <a:schemeClr val="tx1"/>
+                </a:solidFill>
+                <a:latin typeface="Arial" charset="0"/>
+                <a:ea typeface="+mn-ea"/>
+                <a:cs typeface="+mn-cs"/>
+              </a:defRPr>
+            </a:lvl5pPr>
+            <a:lvl6pPr marL="2514600" indent="-228600" algn="l" defTabSz="914400" rtl="0" eaLnBrk="1" latinLnBrk="0" hangingPunct="1">
+              <a:lnSpc>
+                <a:spcPct val="90000"/>
+              </a:lnSpc>
+              <a:spcBef>
+                <a:spcPts val="500"/>
+              </a:spcBef>
+              <a:buFont typeface="Arial"/>
+              <a:buChar char="•"/>
+              <a:defRPr sz="1800" kern="1200">
+                <a:solidFill>
+                  <a:schemeClr val="tx1"/>
+                </a:solidFill>
+                <a:latin typeface="+mn-lt"/>
+                <a:ea typeface="+mn-ea"/>
+                <a:cs typeface="+mn-cs"/>
+              </a:defRPr>
+            </a:lvl6pPr>
+            <a:lvl7pPr marL="2971800" indent="-228600" algn="l" defTabSz="914400" rtl="0" eaLnBrk="1" latinLnBrk="0" hangingPunct="1">
+              <a:lnSpc>
+                <a:spcPct val="90000"/>
+              </a:lnSpc>
+              <a:spcBef>
+                <a:spcPts val="500"/>
+              </a:spcBef>
+              <a:buFont typeface="Arial"/>
+              <a:buChar char="•"/>
+              <a:defRPr sz="1800" kern="1200">
+                <a:solidFill>
+                  <a:schemeClr val="tx1"/>
+                </a:solidFill>
+                <a:latin typeface="+mn-lt"/>
+                <a:ea typeface="+mn-ea"/>
+                <a:cs typeface="+mn-cs"/>
+              </a:defRPr>
+            </a:lvl7pPr>
+            <a:lvl8pPr marL="3429000" indent="-228600" algn="l" defTabSz="914400" rtl="0" eaLnBrk="1" latinLnBrk="0" hangingPunct="1">
+              <a:lnSpc>
+                <a:spcPct val="90000"/>
+              </a:lnSpc>
+              <a:spcBef>
+                <a:spcPts val="500"/>
+              </a:spcBef>
+              <a:buFont typeface="Arial"/>
+              <a:buChar char="•"/>
+              <a:defRPr sz="1800" kern="1200">
+                <a:solidFill>
+                  <a:schemeClr val="tx1"/>
+                </a:solidFill>
+                <a:latin typeface="+mn-lt"/>
+                <a:ea typeface="+mn-ea"/>
+                <a:cs typeface="+mn-cs"/>
+              </a:defRPr>
+            </a:lvl8pPr>
+            <a:lvl9pPr marL="3886200" indent="-228600" algn="l" defTabSz="914400" rtl="0" eaLnBrk="1" latinLnBrk="0" hangingPunct="1">
+              <a:lnSpc>
+                <a:spcPct val="90000"/>
+              </a:lnSpc>
+              <a:spcBef>
+                <a:spcPts val="500"/>
+              </a:spcBef>
+              <a:buFont typeface="Arial"/>
+              <a:buChar char="•"/>
+              <a:defRPr sz="1800" kern="1200">
+                <a:solidFill>
+                  <a:schemeClr val="tx1"/>
+                </a:solidFill>
+                <a:latin typeface="+mn-lt"/>
+                <a:ea typeface="+mn-ea"/>
+                <a:cs typeface="+mn-cs"/>
+              </a:defRPr>
+            </a:lvl9pPr>
+          </a:lstStyle>
+          <a:p>
+            <a:pPr marL="0" indent="0">
+              <a:buFont typeface="Arial"/>
+              <a:buNone/>
+            </a:pPr>
+            <a:r>
+              <a:rPr lang="en-US" b="1" dirty="0" smtClean="0"/>
+              <a:t>Possible new approach</a:t>
+            </a:r>
+            <a:endParaRPr lang="en-US" b="1" dirty="0"/>
+          </a:p>
+        </p:txBody>
+      </p:sp>
+      <p:sp>
+        <p:nvSpPr>
+          <p:cNvPr id="8" name="Content Placeholder 1"/>
+          <p:cNvSpPr txBox="1">
+            <a:spLocks/>
+          </p:cNvSpPr>
+          <p:nvPr/>
+        </p:nvSpPr>
+        <p:spPr>
+          <a:xfrm>
+            <a:off x="6271403" y="1818480"/>
+            <a:ext cx="5184721" cy="4464000"/>
+          </a:xfrm>
+          <a:prstGeom prst="rect">
+            <a:avLst/>
+          </a:prstGeom>
+        </p:spPr>
+        <p:txBody>
+          <a:bodyPr vert="horz" lIns="91440" tIns="45720" rIns="91440" bIns="45720" rtlCol="0">
+            <a:normAutofit fontScale="92500" lnSpcReduction="10000"/>
+          </a:bodyPr>
+          <a:lstStyle>
+            <a:lvl1pPr marL="228600" indent="-228600" algn="l" defTabSz="914400" rtl="0" eaLnBrk="1" latinLnBrk="0" hangingPunct="1">
+              <a:lnSpc>
+                <a:spcPct val="100000"/>
+              </a:lnSpc>
+              <a:spcBef>
+                <a:spcPts val="1000"/>
+              </a:spcBef>
+              <a:buFont typeface="Arial"/>
+              <a:buChar char="•"/>
+              <a:defRPr sz="2400" kern="1200" baseline="0">
+                <a:solidFill>
+                  <a:schemeClr val="tx1"/>
+                </a:solidFill>
+                <a:latin typeface="Arial" charset="0"/>
+                <a:ea typeface="+mn-ea"/>
+                <a:cs typeface="+mn-cs"/>
+              </a:defRPr>
+            </a:lvl1pPr>
+            <a:lvl2pPr marL="685800" indent="-228600" algn="l" defTabSz="914400" rtl="0" eaLnBrk="1" latinLnBrk="0" hangingPunct="1">
+              <a:lnSpc>
+                <a:spcPct val="100000"/>
+              </a:lnSpc>
+              <a:spcBef>
+                <a:spcPts val="500"/>
+              </a:spcBef>
+              <a:buFont typeface="Arial"/>
+              <a:buChar char="•"/>
+              <a:defRPr sz="2400" kern="1200" baseline="0">
+                <a:solidFill>
+                  <a:schemeClr val="tx1"/>
+                </a:solidFill>
+                <a:latin typeface="Arial" charset="0"/>
+                <a:ea typeface="+mn-ea"/>
+                <a:cs typeface="+mn-cs"/>
+              </a:defRPr>
+            </a:lvl2pPr>
+            <a:lvl3pPr marL="1143000" indent="-228600" algn="l" defTabSz="914400" rtl="0" eaLnBrk="1" latinLnBrk="0" hangingPunct="1">
+              <a:lnSpc>
+                <a:spcPct val="100000"/>
+              </a:lnSpc>
+              <a:spcBef>
+                <a:spcPts val="500"/>
+              </a:spcBef>
+              <a:buFont typeface="Arial"/>
+              <a:buChar char="•"/>
+              <a:defRPr sz="2000" kern="1200" baseline="0">
+                <a:solidFill>
+                  <a:schemeClr val="tx1"/>
+                </a:solidFill>
+                <a:latin typeface="Arial" charset="0"/>
+                <a:ea typeface="+mn-ea"/>
+                <a:cs typeface="+mn-cs"/>
+              </a:defRPr>
+            </a:lvl3pPr>
+            <a:lvl4pPr marL="1600200" indent="-228600" algn="l" defTabSz="914400" rtl="0" eaLnBrk="1" latinLnBrk="0" hangingPunct="1">
+              <a:lnSpc>
+                <a:spcPct val="100000"/>
+              </a:lnSpc>
+              <a:spcBef>
+                <a:spcPts val="500"/>
+              </a:spcBef>
+              <a:buFont typeface="Arial"/>
+              <a:buChar char="•"/>
+              <a:defRPr sz="1800" kern="1200" baseline="0">
+                <a:solidFill>
+                  <a:schemeClr val="tx1"/>
+                </a:solidFill>
+                <a:latin typeface="Arial" charset="0"/>
+                <a:ea typeface="+mn-ea"/>
+                <a:cs typeface="+mn-cs"/>
+              </a:defRPr>
+            </a:lvl4pPr>
+            <a:lvl5pPr marL="2057400" indent="-228600" algn="l" defTabSz="914400" rtl="0" eaLnBrk="1" latinLnBrk="0" hangingPunct="1">
+              <a:lnSpc>
+                <a:spcPct val="100000"/>
+              </a:lnSpc>
+              <a:spcBef>
+                <a:spcPts val="500"/>
+              </a:spcBef>
+              <a:buFont typeface="Arial"/>
+              <a:buChar char="•"/>
+              <a:defRPr sz="1800" kern="1200" baseline="0">
+                <a:solidFill>
+                  <a:schemeClr val="tx1"/>
+                </a:solidFill>
+                <a:latin typeface="Arial" charset="0"/>
+                <a:ea typeface="+mn-ea"/>
+                <a:cs typeface="+mn-cs"/>
+              </a:defRPr>
+            </a:lvl5pPr>
+            <a:lvl6pPr marL="2514600" indent="-228600" algn="l" defTabSz="914400" rtl="0" eaLnBrk="1" latinLnBrk="0" hangingPunct="1">
+              <a:lnSpc>
+                <a:spcPct val="90000"/>
+              </a:lnSpc>
+              <a:spcBef>
+                <a:spcPts val="500"/>
+              </a:spcBef>
+              <a:buFont typeface="Arial"/>
+              <a:buChar char="•"/>
+              <a:defRPr sz="1800" kern="1200">
+                <a:solidFill>
+                  <a:schemeClr val="tx1"/>
+                </a:solidFill>
+                <a:latin typeface="+mn-lt"/>
+                <a:ea typeface="+mn-ea"/>
+                <a:cs typeface="+mn-cs"/>
+              </a:defRPr>
+            </a:lvl6pPr>
+            <a:lvl7pPr marL="2971800" indent="-228600" algn="l" defTabSz="914400" rtl="0" eaLnBrk="1" latinLnBrk="0" hangingPunct="1">
+              <a:lnSpc>
+                <a:spcPct val="90000"/>
+              </a:lnSpc>
+              <a:spcBef>
+                <a:spcPts val="500"/>
+              </a:spcBef>
+              <a:buFont typeface="Arial"/>
+              <a:buChar char="•"/>
+              <a:defRPr sz="1800" kern="1200">
+                <a:solidFill>
+                  <a:schemeClr val="tx1"/>
+                </a:solidFill>
+                <a:latin typeface="+mn-lt"/>
+                <a:ea typeface="+mn-ea"/>
+                <a:cs typeface="+mn-cs"/>
+              </a:defRPr>
+            </a:lvl7pPr>
+            <a:lvl8pPr marL="3429000" indent="-228600" algn="l" defTabSz="914400" rtl="0" eaLnBrk="1" latinLnBrk="0" hangingPunct="1">
+              <a:lnSpc>
+                <a:spcPct val="90000"/>
+              </a:lnSpc>
+              <a:spcBef>
+                <a:spcPts val="500"/>
+              </a:spcBef>
+              <a:buFont typeface="Arial"/>
+              <a:buChar char="•"/>
+              <a:defRPr sz="1800" kern="1200">
+                <a:solidFill>
+                  <a:schemeClr val="tx1"/>
+                </a:solidFill>
+                <a:latin typeface="+mn-lt"/>
+                <a:ea typeface="+mn-ea"/>
+                <a:cs typeface="+mn-cs"/>
+              </a:defRPr>
+            </a:lvl8pPr>
+            <a:lvl9pPr marL="3886200" indent="-228600" algn="l" defTabSz="914400" rtl="0" eaLnBrk="1" latinLnBrk="0" hangingPunct="1">
+              <a:lnSpc>
+                <a:spcPct val="90000"/>
+              </a:lnSpc>
+              <a:spcBef>
+                <a:spcPts val="500"/>
+              </a:spcBef>
+              <a:buFont typeface="Arial"/>
+              <a:buChar char="•"/>
+              <a:defRPr sz="1800" kern="1200">
+                <a:solidFill>
+                  <a:schemeClr val="tx1"/>
+                </a:solidFill>
+                <a:latin typeface="+mn-lt"/>
+                <a:ea typeface="+mn-ea"/>
+                <a:cs typeface="+mn-cs"/>
+              </a:defRPr>
+            </a:lvl9pPr>
+          </a:lstStyle>
+          <a:p>
+            <a:r>
+              <a:rPr lang="en-US" dirty="0" smtClean="0">
+                <a:sym typeface="Wingdings" panose="05000000000000000000" pitchFamily="2" charset="2"/>
+              </a:rPr>
+              <a:t>Solve hourly investment problem </a:t>
+            </a:r>
+          </a:p>
+          <a:p>
+            <a:pPr lvl="1"/>
+            <a:r>
+              <a:rPr lang="en-US" dirty="0" smtClean="0">
+                <a:sym typeface="Wingdings" panose="05000000000000000000" pitchFamily="2" charset="2"/>
+              </a:rPr>
+              <a:t>8760 separate MILP’s </a:t>
+            </a:r>
+          </a:p>
+          <a:p>
+            <a:pPr lvl="1"/>
+            <a:r>
+              <a:rPr lang="en-US" dirty="0" smtClean="0">
+                <a:sym typeface="Wingdings" panose="05000000000000000000" pitchFamily="2" charset="2"/>
+              </a:rPr>
+              <a:t>Rescaled investment costs  </a:t>
+            </a:r>
+          </a:p>
+          <a:p>
+            <a:pPr>
+              <a:buFont typeface="Wingdings" panose="05000000000000000000" pitchFamily="2" charset="2"/>
+              <a:buChar char="à"/>
+            </a:pPr>
+            <a:r>
+              <a:rPr lang="en-US" dirty="0">
+                <a:sym typeface="Wingdings" panose="05000000000000000000" pitchFamily="2" charset="2"/>
+              </a:rPr>
+              <a:t> </a:t>
+            </a:r>
+            <a:r>
+              <a:rPr lang="en-US" dirty="0" smtClean="0">
+                <a:sym typeface="Wingdings" panose="05000000000000000000" pitchFamily="2" charset="2"/>
+              </a:rPr>
+              <a:t>Obtain investment decisions for each hour</a:t>
+            </a:r>
+          </a:p>
+          <a:p>
+            <a:pPr>
+              <a:buFont typeface="Wingdings" panose="05000000000000000000" pitchFamily="2" charset="2"/>
+              <a:buChar char="à"/>
+            </a:pPr>
+            <a:r>
+              <a:rPr lang="en-US" dirty="0" smtClean="0">
+                <a:sym typeface="Wingdings" panose="05000000000000000000" pitchFamily="2" charset="2"/>
+              </a:rPr>
+              <a:t>1 hourly value per line = binary investment decision</a:t>
+            </a:r>
+          </a:p>
+          <a:p>
+            <a:pPr marL="0" indent="0">
+              <a:buNone/>
+            </a:pPr>
+            <a:endParaRPr lang="en-US" dirty="0">
+              <a:sym typeface="Wingdings" panose="05000000000000000000" pitchFamily="2" charset="2"/>
+            </a:endParaRPr>
+          </a:p>
+          <a:p>
+            <a:pPr marL="0" indent="0">
+              <a:buNone/>
+            </a:pPr>
+            <a:r>
+              <a:rPr lang="en-US" dirty="0"/>
+              <a:t>For X candidates: </a:t>
+            </a:r>
+          </a:p>
+          <a:p>
+            <a:pPr marL="0" indent="0">
+              <a:buNone/>
+            </a:pPr>
+            <a:r>
+              <a:rPr lang="en-US" dirty="0">
+                <a:sym typeface="Wingdings" panose="05000000000000000000" pitchFamily="2" charset="2"/>
+              </a:rPr>
+              <a:t> </a:t>
+            </a:r>
+            <a:r>
+              <a:rPr lang="en-US" dirty="0" smtClean="0">
+                <a:sym typeface="Wingdings" panose="05000000000000000000" pitchFamily="2" charset="2"/>
+              </a:rPr>
+              <a:t>8760 problems </a:t>
+            </a:r>
+            <a:r>
+              <a:rPr lang="en-US" dirty="0">
+                <a:sym typeface="Wingdings" panose="05000000000000000000" pitchFamily="2" charset="2"/>
+              </a:rPr>
+              <a:t>with </a:t>
+            </a:r>
+            <a:r>
+              <a:rPr lang="en-US" dirty="0" smtClean="0">
+                <a:sym typeface="Wingdings" panose="05000000000000000000" pitchFamily="2" charset="2"/>
+              </a:rPr>
+              <a:t>1 </a:t>
+            </a:r>
+            <a:r>
+              <a:rPr lang="en-US" dirty="0" err="1" smtClean="0">
+                <a:sym typeface="Wingdings" panose="05000000000000000000" pitchFamily="2" charset="2"/>
+              </a:rPr>
+              <a:t>timestep</a:t>
+            </a:r>
+            <a:r>
+              <a:rPr lang="en-US" dirty="0" smtClean="0">
+                <a:sym typeface="Wingdings" panose="05000000000000000000" pitchFamily="2" charset="2"/>
+              </a:rPr>
+              <a:t> and X binaries </a:t>
+            </a:r>
+            <a:endParaRPr lang="en-US" dirty="0"/>
+          </a:p>
+          <a:p>
+            <a:pPr marL="0" indent="0">
+              <a:buNone/>
+            </a:pPr>
+            <a:endParaRPr lang="en-US" dirty="0" smtClean="0"/>
+          </a:p>
+        </p:txBody>
+      </p:sp>
     </p:spTree>
     <p:extLst>
       <p:ext uri="{BB962C8B-B14F-4D97-AF65-F5344CB8AC3E}">
-        <p14:creationId xmlns:p14="http://schemas.microsoft.com/office/powerpoint/2010/main" val="261656653"/>
+        <p14:creationId xmlns:p14="http://schemas.microsoft.com/office/powerpoint/2010/main" val="1931342712"/>
       </p:ext>
     </p:extLst>
   </p:cSld>
@@ -6644,14 +7252,14 @@
 <file path=customXml/itemProps2.xml><?xml version="1.0" encoding="utf-8"?>
 <ds:datastoreItem xmlns:ds="http://schemas.openxmlformats.org/officeDocument/2006/customXml" ds:itemID="{6D3CDF3A-BF48-4B5B-B3E9-7B37F916BE05}">
   <ds:schemaRefs>
-    <ds:schemaRef ds:uri="fd689c1b-2561-4a46-ae04-6449f963ff76"/>
-    <ds:schemaRef ds:uri="http://purl.org/dc/terms/"/>
     <ds:schemaRef ds:uri="http://schemas.openxmlformats.org/package/2006/metadata/core-properties"/>
     <ds:schemaRef ds:uri="http://schemas.microsoft.com/office/2006/documentManagement/types"/>
     <ds:schemaRef ds:uri="http://schemas.microsoft.com/office/infopath/2007/PartnerControls"/>
     <ds:schemaRef ds:uri="http://purl.org/dc/elements/1.1/"/>
     <ds:schemaRef ds:uri="http://schemas.microsoft.com/office/2006/metadata/properties"/>
     <ds:schemaRef ds:uri="04677cab-20cd-44d8-974c-14c664890eaa"/>
+    <ds:schemaRef ds:uri="fd689c1b-2561-4a46-ae04-6449f963ff76"/>
+    <ds:schemaRef ds:uri="http://purl.org/dc/terms/"/>
     <ds:schemaRef ds:uri="http://www.w3.org/XML/1998/namespace"/>
     <ds:schemaRef ds:uri="http://purl.org/dc/dcmitype/"/>
   </ds:schemaRefs>
